--- a/papers/Case2016/pictures/pdf/Orientation.pptx
+++ b/papers/Case2016/pictures/pdf/Orientation.pptx
@@ -288,7 +288,7 @@
           <a:p>
             <a:fld id="{1C95DD57-5DBA-6048-8968-85342900AD5A}" type="datetimeFigureOut">
               <a:rPr lang="en-US" smtClean="0"/>
-              <a:t>3/19/16</a:t>
+              <a:t>3/22/16</a:t>
             </a:fld>
             <a:endParaRPr lang="en-US"/>
           </a:p>
@@ -458,7 +458,7 @@
           <a:p>
             <a:fld id="{1C95DD57-5DBA-6048-8968-85342900AD5A}" type="datetimeFigureOut">
               <a:rPr lang="en-US" smtClean="0"/>
-              <a:t>3/19/16</a:t>
+              <a:t>3/22/16</a:t>
             </a:fld>
             <a:endParaRPr lang="en-US"/>
           </a:p>
@@ -638,7 +638,7 @@
           <a:p>
             <a:fld id="{1C95DD57-5DBA-6048-8968-85342900AD5A}" type="datetimeFigureOut">
               <a:rPr lang="en-US" smtClean="0"/>
-              <a:t>3/19/16</a:t>
+              <a:t>3/22/16</a:t>
             </a:fld>
             <a:endParaRPr lang="en-US"/>
           </a:p>
@@ -808,7 +808,7 @@
           <a:p>
             <a:fld id="{1C95DD57-5DBA-6048-8968-85342900AD5A}" type="datetimeFigureOut">
               <a:rPr lang="en-US" smtClean="0"/>
-              <a:t>3/19/16</a:t>
+              <a:t>3/22/16</a:t>
             </a:fld>
             <a:endParaRPr lang="en-US"/>
           </a:p>
@@ -1054,7 +1054,7 @@
           <a:p>
             <a:fld id="{1C95DD57-5DBA-6048-8968-85342900AD5A}" type="datetimeFigureOut">
               <a:rPr lang="en-US" smtClean="0"/>
-              <a:t>3/19/16</a:t>
+              <a:t>3/22/16</a:t>
             </a:fld>
             <a:endParaRPr lang="en-US"/>
           </a:p>
@@ -1342,7 +1342,7 @@
           <a:p>
             <a:fld id="{1C95DD57-5DBA-6048-8968-85342900AD5A}" type="datetimeFigureOut">
               <a:rPr lang="en-US" smtClean="0"/>
-              <a:t>3/19/16</a:t>
+              <a:t>3/22/16</a:t>
             </a:fld>
             <a:endParaRPr lang="en-US"/>
           </a:p>
@@ -1764,7 +1764,7 @@
           <a:p>
             <a:fld id="{1C95DD57-5DBA-6048-8968-85342900AD5A}" type="datetimeFigureOut">
               <a:rPr lang="en-US" smtClean="0"/>
-              <a:t>3/19/16</a:t>
+              <a:t>3/22/16</a:t>
             </a:fld>
             <a:endParaRPr lang="en-US"/>
           </a:p>
@@ -1882,7 +1882,7 @@
           <a:p>
             <a:fld id="{1C95DD57-5DBA-6048-8968-85342900AD5A}" type="datetimeFigureOut">
               <a:rPr lang="en-US" smtClean="0"/>
-              <a:t>3/19/16</a:t>
+              <a:t>3/22/16</a:t>
             </a:fld>
             <a:endParaRPr lang="en-US"/>
           </a:p>
@@ -1977,7 +1977,7 @@
           <a:p>
             <a:fld id="{1C95DD57-5DBA-6048-8968-85342900AD5A}" type="datetimeFigureOut">
               <a:rPr lang="en-US" smtClean="0"/>
-              <a:t>3/19/16</a:t>
+              <a:t>3/22/16</a:t>
             </a:fld>
             <a:endParaRPr lang="en-US"/>
           </a:p>
@@ -2254,7 +2254,7 @@
           <a:p>
             <a:fld id="{1C95DD57-5DBA-6048-8968-85342900AD5A}" type="datetimeFigureOut">
               <a:rPr lang="en-US" smtClean="0"/>
-              <a:t>3/19/16</a:t>
+              <a:t>3/22/16</a:t>
             </a:fld>
             <a:endParaRPr lang="en-US"/>
           </a:p>
@@ -2507,7 +2507,7 @@
           <a:p>
             <a:fld id="{1C95DD57-5DBA-6048-8968-85342900AD5A}" type="datetimeFigureOut">
               <a:rPr lang="en-US" smtClean="0"/>
-              <a:t>3/19/16</a:t>
+              <a:t>3/22/16</a:t>
             </a:fld>
             <a:endParaRPr lang="en-US"/>
           </a:p>
@@ -2720,7 +2720,7 @@
           <a:p>
             <a:fld id="{1C95DD57-5DBA-6048-8968-85342900AD5A}" type="datetimeFigureOut">
               <a:rPr lang="en-US" smtClean="0"/>
-              <a:t>3/19/16</a:t>
+              <a:t>3/22/16</a:t>
             </a:fld>
             <a:endParaRPr lang="en-US"/>
           </a:p>
@@ -3118,10 +3118,10 @@
             <p:nvPr/>
           </p:nvPicPr>
           <p:blipFill>
-            <a:blip r:embed="rId2">
+            <a:blip r:embed="rId2" cstate="screen">
               <a:extLst>
                 <a:ext uri="{28A0092B-C50C-407E-A947-70E740481C1C}">
-                  <a14:useLocalDpi xmlns:a14="http://schemas.microsoft.com/office/drawing/2010/main" val="0"/>
+                  <a14:useLocalDpi xmlns:a14="http://schemas.microsoft.com/office/drawing/2010/main"/>
                 </a:ext>
               </a:extLst>
             </a:blip>
@@ -3148,10 +3148,10 @@
             <p:nvPr/>
           </p:nvPicPr>
           <p:blipFill>
-            <a:blip r:embed="rId3">
+            <a:blip r:embed="rId3" cstate="screen">
               <a:extLst>
                 <a:ext uri="{28A0092B-C50C-407E-A947-70E740481C1C}">
-                  <a14:useLocalDpi xmlns:a14="http://schemas.microsoft.com/office/drawing/2010/main" val="0"/>
+                  <a14:useLocalDpi xmlns:a14="http://schemas.microsoft.com/office/drawing/2010/main"/>
                 </a:ext>
               </a:extLst>
             </a:blip>
@@ -3178,10 +3178,10 @@
             <p:nvPr/>
           </p:nvPicPr>
           <p:blipFill>
-            <a:blip r:embed="rId4">
+            <a:blip r:embed="rId4" cstate="screen">
               <a:extLst>
                 <a:ext uri="{28A0092B-C50C-407E-A947-70E740481C1C}">
-                  <a14:useLocalDpi xmlns:a14="http://schemas.microsoft.com/office/drawing/2010/main" val="0"/>
+                  <a14:useLocalDpi xmlns:a14="http://schemas.microsoft.com/office/drawing/2010/main"/>
                 </a:ext>
               </a:extLst>
             </a:blip>
@@ -3588,7 +3588,7 @@
             <a:blip r:embed="rId5">
               <a:extLst>
                 <a:ext uri="{28A0092B-C50C-407E-A947-70E740481C1C}">
-                  <a14:useLocalDpi xmlns:a14="http://schemas.microsoft.com/office/drawing/2010/main" val="0"/>
+                  <a14:useLocalDpi xmlns:a14="http://schemas.microsoft.com/office/drawing/2010/main"/>
                 </a:ext>
               </a:extLst>
             </a:blip>

--- a/papers/Case2016/pictures/pdf/Orientation.pptx
+++ b/papers/Case2016/pictures/pdf/Orientation.pptx
@@ -288,7 +288,7 @@
           <a:p>
             <a:fld id="{1C95DD57-5DBA-6048-8968-85342900AD5A}" type="datetimeFigureOut">
               <a:rPr lang="en-US" smtClean="0"/>
-              <a:t>3/22/16</a:t>
+              <a:t>3/27/16</a:t>
             </a:fld>
             <a:endParaRPr lang="en-US"/>
           </a:p>
@@ -458,7 +458,7 @@
           <a:p>
             <a:fld id="{1C95DD57-5DBA-6048-8968-85342900AD5A}" type="datetimeFigureOut">
               <a:rPr lang="en-US" smtClean="0"/>
-              <a:t>3/22/16</a:t>
+              <a:t>3/27/16</a:t>
             </a:fld>
             <a:endParaRPr lang="en-US"/>
           </a:p>
@@ -638,7 +638,7 @@
           <a:p>
             <a:fld id="{1C95DD57-5DBA-6048-8968-85342900AD5A}" type="datetimeFigureOut">
               <a:rPr lang="en-US" smtClean="0"/>
-              <a:t>3/22/16</a:t>
+              <a:t>3/27/16</a:t>
             </a:fld>
             <a:endParaRPr lang="en-US"/>
           </a:p>
@@ -808,7 +808,7 @@
           <a:p>
             <a:fld id="{1C95DD57-5DBA-6048-8968-85342900AD5A}" type="datetimeFigureOut">
               <a:rPr lang="en-US" smtClean="0"/>
-              <a:t>3/22/16</a:t>
+              <a:t>3/27/16</a:t>
             </a:fld>
             <a:endParaRPr lang="en-US"/>
           </a:p>
@@ -1054,7 +1054,7 @@
           <a:p>
             <a:fld id="{1C95DD57-5DBA-6048-8968-85342900AD5A}" type="datetimeFigureOut">
               <a:rPr lang="en-US" smtClean="0"/>
-              <a:t>3/22/16</a:t>
+              <a:t>3/27/16</a:t>
             </a:fld>
             <a:endParaRPr lang="en-US"/>
           </a:p>
@@ -1342,7 +1342,7 @@
           <a:p>
             <a:fld id="{1C95DD57-5DBA-6048-8968-85342900AD5A}" type="datetimeFigureOut">
               <a:rPr lang="en-US" smtClean="0"/>
-              <a:t>3/22/16</a:t>
+              <a:t>3/27/16</a:t>
             </a:fld>
             <a:endParaRPr lang="en-US"/>
           </a:p>
@@ -1764,7 +1764,7 @@
           <a:p>
             <a:fld id="{1C95DD57-5DBA-6048-8968-85342900AD5A}" type="datetimeFigureOut">
               <a:rPr lang="en-US" smtClean="0"/>
-              <a:t>3/22/16</a:t>
+              <a:t>3/27/16</a:t>
             </a:fld>
             <a:endParaRPr lang="en-US"/>
           </a:p>
@@ -1882,7 +1882,7 @@
           <a:p>
             <a:fld id="{1C95DD57-5DBA-6048-8968-85342900AD5A}" type="datetimeFigureOut">
               <a:rPr lang="en-US" smtClean="0"/>
-              <a:t>3/22/16</a:t>
+              <a:t>3/27/16</a:t>
             </a:fld>
             <a:endParaRPr lang="en-US"/>
           </a:p>
@@ -1977,7 +1977,7 @@
           <a:p>
             <a:fld id="{1C95DD57-5DBA-6048-8968-85342900AD5A}" type="datetimeFigureOut">
               <a:rPr lang="en-US" smtClean="0"/>
-              <a:t>3/22/16</a:t>
+              <a:t>3/27/16</a:t>
             </a:fld>
             <a:endParaRPr lang="en-US"/>
           </a:p>
@@ -2254,7 +2254,7 @@
           <a:p>
             <a:fld id="{1C95DD57-5DBA-6048-8968-85342900AD5A}" type="datetimeFigureOut">
               <a:rPr lang="en-US" smtClean="0"/>
-              <a:t>3/22/16</a:t>
+              <a:t>3/27/16</a:t>
             </a:fld>
             <a:endParaRPr lang="en-US"/>
           </a:p>
@@ -2507,7 +2507,7 @@
           <a:p>
             <a:fld id="{1C95DD57-5DBA-6048-8968-85342900AD5A}" type="datetimeFigureOut">
               <a:rPr lang="en-US" smtClean="0"/>
-              <a:t>3/22/16</a:t>
+              <a:t>3/27/16</a:t>
             </a:fld>
             <a:endParaRPr lang="en-US"/>
           </a:p>
@@ -2720,7 +2720,7 @@
           <a:p>
             <a:fld id="{1C95DD57-5DBA-6048-8968-85342900AD5A}" type="datetimeFigureOut">
               <a:rPr lang="en-US" smtClean="0"/>
-              <a:t>3/22/16</a:t>
+              <a:t>3/27/16</a:t>
             </a:fld>
             <a:endParaRPr lang="en-US"/>
           </a:p>
@@ -3095,33 +3095,63 @@
           <a:chExt cx="0" cy="0"/>
         </a:xfrm>
       </p:grpSpPr>
+      <p:pic>
+        <p:nvPicPr>
+          <p:cNvPr id="11" name="Picture 10" descr="OrientationContFig2.eps"/>
+          <p:cNvPicPr>
+            <a:picLocks noChangeAspect="1"/>
+          </p:cNvPicPr>
+          <p:nvPr/>
+        </p:nvPicPr>
+        <p:blipFill>
+          <a:blip r:embed="rId2">
+            <a:extLst>
+              <a:ext uri="{28A0092B-C50C-407E-A947-70E740481C1C}">
+                <a14:useLocalDpi xmlns:a14="http://schemas.microsoft.com/office/drawing/2010/main" val="0"/>
+              </a:ext>
+            </a:extLst>
+          </a:blip>
+          <a:stretch>
+            <a:fillRect/>
+          </a:stretch>
+        </p:blipFill>
+        <p:spPr>
+          <a:xfrm>
+            <a:off x="-220896" y="2539105"/>
+            <a:ext cx="9829692" cy="4300490"/>
+          </a:xfrm>
+          <a:prstGeom prst="rect">
+            <a:avLst/>
+          </a:prstGeom>
+        </p:spPr>
+      </p:pic>
       <p:grpSp>
         <p:nvGrpSpPr>
-          <p:cNvPr id="3" name="Group 2"/>
+          <p:cNvPr id="28" name="Group 27"/>
           <p:cNvGrpSpPr/>
           <p:nvPr/>
         </p:nvGrpSpPr>
         <p:grpSpPr>
           <a:xfrm>
-            <a:off x="-324859" y="59058"/>
-            <a:ext cx="10218245" cy="6651297"/>
-            <a:chOff x="0" y="721104"/>
-            <a:chExt cx="9144000" cy="5680327"/>
+            <a:off x="0" y="-25703"/>
+            <a:ext cx="9144000" cy="2749578"/>
+            <a:chOff x="0" y="-25703"/>
+            <a:chExt cx="8594225" cy="2441018"/>
           </a:xfrm>
         </p:grpSpPr>
         <p:pic>
           <p:nvPicPr>
-            <p:cNvPr id="5" name="Picture 4" descr="Orient0.png"/>
+            <p:cNvPr id="27" name="Picture 26" descr="Orient3.png"/>
             <p:cNvPicPr>
               <a:picLocks noChangeAspect="1"/>
             </p:cNvPicPr>
             <p:nvPr/>
           </p:nvPicPr>
           <p:blipFill>
-            <a:blip r:embed="rId2" cstate="screen">
+            <a:blip r:embed="rId3">
               <a:extLst>
                 <a:ext uri="{28A0092B-C50C-407E-A947-70E740481C1C}">
-                  <a14:useLocalDpi xmlns:a14="http://schemas.microsoft.com/office/drawing/2010/main"/>
+                  <a14:useLocalDpi xmlns:a14="http://schemas.microsoft.com/office/drawing/2010/main" val="0"/>
                 </a:ext>
               </a:extLst>
             </a:blip>
@@ -3131,8 +3161,8 @@
           </p:blipFill>
           <p:spPr>
             <a:xfrm>
-              <a:off x="385617" y="721104"/>
-              <a:ext cx="3810000" cy="2142169"/>
+              <a:off x="4255712" y="-25703"/>
+              <a:ext cx="4338513" cy="2441018"/>
             </a:xfrm>
             <a:prstGeom prst="rect">
               <a:avLst/>
@@ -3141,17 +3171,17 @@
         </p:pic>
         <p:pic>
           <p:nvPicPr>
-            <p:cNvPr id="6" name="Picture 5" descr="Orient1.png"/>
+            <p:cNvPr id="20" name="Picture 19" descr="Orient2.png"/>
             <p:cNvPicPr>
               <a:picLocks noChangeAspect="1"/>
             </p:cNvPicPr>
             <p:nvPr/>
           </p:nvPicPr>
           <p:blipFill>
-            <a:blip r:embed="rId3" cstate="screen">
+            <a:blip r:embed="rId4">
               <a:extLst>
                 <a:ext uri="{28A0092B-C50C-407E-A947-70E740481C1C}">
-                  <a14:useLocalDpi xmlns:a14="http://schemas.microsoft.com/office/drawing/2010/main"/>
+                  <a14:useLocalDpi xmlns:a14="http://schemas.microsoft.com/office/drawing/2010/main" val="0"/>
                 </a:ext>
               </a:extLst>
             </a:blip>
@@ -3161,8 +3191,8 @@
           </p:blipFill>
           <p:spPr>
             <a:xfrm>
-              <a:off x="2290617" y="721104"/>
-              <a:ext cx="3810377" cy="2142169"/>
+              <a:off x="1938936" y="-16819"/>
+              <a:ext cx="2316776" cy="2432134"/>
             </a:xfrm>
             <a:prstGeom prst="rect">
               <a:avLst/>
@@ -3171,17 +3201,17 @@
         </p:pic>
         <p:pic>
           <p:nvPicPr>
-            <p:cNvPr id="7" name="Picture 6" descr="Orient2.png"/>
+            <p:cNvPr id="18" name="Picture 17" descr="Orient1.png"/>
             <p:cNvPicPr>
               <a:picLocks noChangeAspect="1"/>
             </p:cNvPicPr>
             <p:nvPr/>
           </p:nvPicPr>
           <p:blipFill>
-            <a:blip r:embed="rId4" cstate="screen">
+            <a:blip r:embed="rId5">
               <a:extLst>
                 <a:ext uri="{28A0092B-C50C-407E-A947-70E740481C1C}">
-                  <a14:useLocalDpi xmlns:a14="http://schemas.microsoft.com/office/drawing/2010/main"/>
+                  <a14:useLocalDpi xmlns:a14="http://schemas.microsoft.com/office/drawing/2010/main" val="0"/>
                 </a:ext>
               </a:extLst>
             </a:blip>
@@ -3191,8 +3221,8 @@
           </p:blipFill>
           <p:spPr>
             <a:xfrm>
-              <a:off x="4484254" y="721104"/>
-              <a:ext cx="3813026" cy="2142169"/>
+              <a:off x="0" y="0"/>
+              <a:ext cx="1941461" cy="2415315"/>
             </a:xfrm>
             <a:prstGeom prst="rect">
               <a:avLst/>
@@ -3207,8 +3237,8 @@
           </p:nvSpPr>
           <p:spPr>
             <a:xfrm>
-              <a:off x="6553200" y="1600200"/>
-              <a:ext cx="1366516" cy="1075439"/>
+              <a:off x="6998217" y="1088423"/>
+              <a:ext cx="1527055" cy="1259270"/>
             </a:xfrm>
             <a:prstGeom prst="rect">
               <a:avLst/>
@@ -3316,8 +3346,8 @@
           </p:nvSpPr>
           <p:spPr>
             <a:xfrm>
-              <a:off x="7728154" y="1719581"/>
-              <a:ext cx="45719" cy="45719"/>
+              <a:off x="8311205" y="1228210"/>
+              <a:ext cx="51090" cy="53534"/>
             </a:xfrm>
             <a:prstGeom prst="ellipse">
               <a:avLst/>
@@ -3362,8 +3392,8 @@
           </p:nvSpPr>
           <p:spPr>
             <a:xfrm>
-              <a:off x="7723657" y="1871981"/>
-              <a:ext cx="45719" cy="45719"/>
+              <a:off x="8306180" y="1406661"/>
+              <a:ext cx="51090" cy="53534"/>
             </a:xfrm>
             <a:prstGeom prst="ellipse">
               <a:avLst/>
@@ -3406,8 +3436,8 @@
           </p:nvSpPr>
           <p:spPr>
             <a:xfrm>
-              <a:off x="7723657" y="2047240"/>
-              <a:ext cx="45719" cy="45719"/>
+              <a:off x="8306180" y="1611878"/>
+              <a:ext cx="51090" cy="53534"/>
             </a:xfrm>
             <a:prstGeom prst="ellipse">
               <a:avLst/>
@@ -3450,8 +3480,8 @@
           </p:nvSpPr>
           <p:spPr>
             <a:xfrm>
-              <a:off x="7723657" y="2199640"/>
-              <a:ext cx="45719" cy="45719"/>
+              <a:off x="8306180" y="1790328"/>
+              <a:ext cx="51090" cy="53534"/>
             </a:xfrm>
             <a:prstGeom prst="ellipse">
               <a:avLst/>
@@ -3494,8 +3524,8 @@
           </p:nvSpPr>
           <p:spPr>
             <a:xfrm>
-              <a:off x="7578411" y="2356939"/>
-              <a:ext cx="299486" cy="77640"/>
+              <a:off x="8143870" y="1974515"/>
+              <a:ext cx="334670" cy="90911"/>
             </a:xfrm>
             <a:prstGeom prst="rect">
               <a:avLst/>
@@ -3540,8 +3570,8 @@
           </p:nvSpPr>
           <p:spPr>
             <a:xfrm>
-              <a:off x="7578411" y="2512004"/>
-              <a:ext cx="299486" cy="77640"/>
+              <a:off x="8143870" y="2156087"/>
+              <a:ext cx="334670" cy="90911"/>
             </a:xfrm>
             <a:prstGeom prst="rect">
               <a:avLst/>
@@ -3576,36 +3606,6 @@
             </a:p>
           </p:txBody>
         </p:sp>
-        <p:pic>
-          <p:nvPicPr>
-            <p:cNvPr id="2" name="Picture 1" descr="OrientationContFig2.eps"/>
-            <p:cNvPicPr>
-              <a:picLocks noChangeAspect="1"/>
-            </p:cNvPicPr>
-            <p:nvPr/>
-          </p:nvPicPr>
-          <p:blipFill>
-            <a:blip r:embed="rId5">
-              <a:extLst>
-                <a:ext uri="{28A0092B-C50C-407E-A947-70E740481C1C}">
-                  <a14:useLocalDpi xmlns:a14="http://schemas.microsoft.com/office/drawing/2010/main"/>
-                </a:ext>
-              </a:extLst>
-            </a:blip>
-            <a:stretch>
-              <a:fillRect/>
-            </a:stretch>
-          </p:blipFill>
-          <p:spPr>
-            <a:xfrm>
-              <a:off x="0" y="2998740"/>
-              <a:ext cx="9144000" cy="3402691"/>
-            </a:xfrm>
-            <a:prstGeom prst="rect">
-              <a:avLst/>
-            </a:prstGeom>
-          </p:spPr>
-        </p:pic>
         <p:cxnSp>
           <p:nvCxnSpPr>
             <p:cNvPr id="8" name="Straight Connector 7"/>
@@ -3614,8 +3614,8 @@
           </p:nvCxnSpPr>
           <p:spPr>
             <a:xfrm>
-              <a:off x="385617" y="2589644"/>
-              <a:ext cx="1087583" cy="0"/>
+              <a:off x="0" y="2242073"/>
+              <a:ext cx="1215353" cy="0"/>
             </a:xfrm>
             <a:prstGeom prst="line">
               <a:avLst/>
@@ -3647,8 +3647,8 @@
           </p:nvCxnSpPr>
           <p:spPr>
             <a:xfrm>
-              <a:off x="2290617" y="2589644"/>
-              <a:ext cx="1197650" cy="0"/>
+              <a:off x="1949232" y="2276326"/>
+              <a:ext cx="1338351" cy="0"/>
             </a:xfrm>
             <a:prstGeom prst="line">
               <a:avLst/>
@@ -3680,8 +3680,8 @@
           </p:nvCxnSpPr>
           <p:spPr>
             <a:xfrm>
-              <a:off x="4484254" y="2589644"/>
-              <a:ext cx="1616740" cy="0"/>
+              <a:off x="4255712" y="2246998"/>
+              <a:ext cx="1806676" cy="0"/>
             </a:xfrm>
             <a:prstGeom prst="line">
               <a:avLst/>
@@ -3713,8 +3713,8 @@
           </p:nvSpPr>
           <p:spPr>
             <a:xfrm>
-              <a:off x="677333" y="2245359"/>
-              <a:ext cx="609600" cy="369332"/>
+              <a:off x="112513" y="1843862"/>
+              <a:ext cx="681216" cy="432464"/>
             </a:xfrm>
             <a:prstGeom prst="rect">
               <a:avLst/>
@@ -3743,8 +3743,8 @@
           </p:nvSpPr>
           <p:spPr>
             <a:xfrm>
-              <a:off x="2607733" y="2213093"/>
-              <a:ext cx="609600" cy="369332"/>
+              <a:off x="1949232" y="1814534"/>
+              <a:ext cx="681216" cy="432464"/>
             </a:xfrm>
             <a:prstGeom prst="rect">
               <a:avLst/>
@@ -3773,8 +3773,8 @@
           </p:nvSpPr>
           <p:spPr>
             <a:xfrm>
-              <a:off x="4961465" y="2180827"/>
-              <a:ext cx="609600" cy="369332"/>
+              <a:off x="4357249" y="1814534"/>
+              <a:ext cx="681216" cy="432464"/>
             </a:xfrm>
             <a:prstGeom prst="rect">
               <a:avLst/>
@@ -3803,8 +3803,8 @@
           </p:nvSpPr>
           <p:spPr>
             <a:xfrm>
-              <a:off x="385617" y="880533"/>
-              <a:ext cx="647316" cy="369332"/>
+              <a:off x="70366" y="892569"/>
+              <a:ext cx="723363" cy="432464"/>
             </a:xfrm>
             <a:prstGeom prst="rect">
               <a:avLst/>
@@ -3833,8 +3833,8 @@
           </p:nvSpPr>
           <p:spPr>
             <a:xfrm>
-              <a:off x="2290617" y="880533"/>
-              <a:ext cx="647316" cy="369332"/>
+              <a:off x="2092868" y="892569"/>
+              <a:ext cx="723363" cy="432464"/>
             </a:xfrm>
             <a:prstGeom prst="rect">
               <a:avLst/>
@@ -3863,8 +3863,8 @@
           </p:nvSpPr>
           <p:spPr>
             <a:xfrm>
-              <a:off x="4771349" y="880533"/>
-              <a:ext cx="799715" cy="369332"/>
+              <a:off x="4357249" y="892569"/>
+              <a:ext cx="893666" cy="432464"/>
             </a:xfrm>
             <a:prstGeom prst="rect">
               <a:avLst/>

--- a/papers/Case2016/pictures/pdf/Orientation.pptx
+++ b/papers/Case2016/pictures/pdf/Orientation.pptx
@@ -288,7 +288,7 @@
           <a:p>
             <a:fld id="{1C95DD57-5DBA-6048-8968-85342900AD5A}" type="datetimeFigureOut">
               <a:rPr lang="en-US" smtClean="0"/>
-              <a:t>3/27/16</a:t>
+              <a:t>3/28/16</a:t>
             </a:fld>
             <a:endParaRPr lang="en-US"/>
           </a:p>
@@ -458,7 +458,7 @@
           <a:p>
             <a:fld id="{1C95DD57-5DBA-6048-8968-85342900AD5A}" type="datetimeFigureOut">
               <a:rPr lang="en-US" smtClean="0"/>
-              <a:t>3/27/16</a:t>
+              <a:t>3/28/16</a:t>
             </a:fld>
             <a:endParaRPr lang="en-US"/>
           </a:p>
@@ -638,7 +638,7 @@
           <a:p>
             <a:fld id="{1C95DD57-5DBA-6048-8968-85342900AD5A}" type="datetimeFigureOut">
               <a:rPr lang="en-US" smtClean="0"/>
-              <a:t>3/27/16</a:t>
+              <a:t>3/28/16</a:t>
             </a:fld>
             <a:endParaRPr lang="en-US"/>
           </a:p>
@@ -808,7 +808,7 @@
           <a:p>
             <a:fld id="{1C95DD57-5DBA-6048-8968-85342900AD5A}" type="datetimeFigureOut">
               <a:rPr lang="en-US" smtClean="0"/>
-              <a:t>3/27/16</a:t>
+              <a:t>3/28/16</a:t>
             </a:fld>
             <a:endParaRPr lang="en-US"/>
           </a:p>
@@ -1054,7 +1054,7 @@
           <a:p>
             <a:fld id="{1C95DD57-5DBA-6048-8968-85342900AD5A}" type="datetimeFigureOut">
               <a:rPr lang="en-US" smtClean="0"/>
-              <a:t>3/27/16</a:t>
+              <a:t>3/28/16</a:t>
             </a:fld>
             <a:endParaRPr lang="en-US"/>
           </a:p>
@@ -1342,7 +1342,7 @@
           <a:p>
             <a:fld id="{1C95DD57-5DBA-6048-8968-85342900AD5A}" type="datetimeFigureOut">
               <a:rPr lang="en-US" smtClean="0"/>
-              <a:t>3/27/16</a:t>
+              <a:t>3/28/16</a:t>
             </a:fld>
             <a:endParaRPr lang="en-US"/>
           </a:p>
@@ -1764,7 +1764,7 @@
           <a:p>
             <a:fld id="{1C95DD57-5DBA-6048-8968-85342900AD5A}" type="datetimeFigureOut">
               <a:rPr lang="en-US" smtClean="0"/>
-              <a:t>3/27/16</a:t>
+              <a:t>3/28/16</a:t>
             </a:fld>
             <a:endParaRPr lang="en-US"/>
           </a:p>
@@ -1882,7 +1882,7 @@
           <a:p>
             <a:fld id="{1C95DD57-5DBA-6048-8968-85342900AD5A}" type="datetimeFigureOut">
               <a:rPr lang="en-US" smtClean="0"/>
-              <a:t>3/27/16</a:t>
+              <a:t>3/28/16</a:t>
             </a:fld>
             <a:endParaRPr lang="en-US"/>
           </a:p>
@@ -1977,7 +1977,7 @@
           <a:p>
             <a:fld id="{1C95DD57-5DBA-6048-8968-85342900AD5A}" type="datetimeFigureOut">
               <a:rPr lang="en-US" smtClean="0"/>
-              <a:t>3/27/16</a:t>
+              <a:t>3/28/16</a:t>
             </a:fld>
             <a:endParaRPr lang="en-US"/>
           </a:p>
@@ -2254,7 +2254,7 @@
           <a:p>
             <a:fld id="{1C95DD57-5DBA-6048-8968-85342900AD5A}" type="datetimeFigureOut">
               <a:rPr lang="en-US" smtClean="0"/>
-              <a:t>3/27/16</a:t>
+              <a:t>3/28/16</a:t>
             </a:fld>
             <a:endParaRPr lang="en-US"/>
           </a:p>
@@ -2507,7 +2507,7 @@
           <a:p>
             <a:fld id="{1C95DD57-5DBA-6048-8968-85342900AD5A}" type="datetimeFigureOut">
               <a:rPr lang="en-US" smtClean="0"/>
-              <a:t>3/27/16</a:t>
+              <a:t>3/28/16</a:t>
             </a:fld>
             <a:endParaRPr lang="en-US"/>
           </a:p>
@@ -2720,7 +2720,7 @@
           <a:p>
             <a:fld id="{1C95DD57-5DBA-6048-8968-85342900AD5A}" type="datetimeFigureOut">
               <a:rPr lang="en-US" smtClean="0"/>
-              <a:t>3/27/16</a:t>
+              <a:t>3/28/16</a:t>
             </a:fld>
             <a:endParaRPr lang="en-US"/>
           </a:p>
@@ -3107,7 +3107,7 @@
           <a:blip r:embed="rId2">
             <a:extLst>
               <a:ext uri="{28A0092B-C50C-407E-A947-70E740481C1C}">
-                <a14:useLocalDpi xmlns:a14="http://schemas.microsoft.com/office/drawing/2010/main" val="0"/>
+                <a14:useLocalDpi xmlns:a14="http://schemas.microsoft.com/office/drawing/2010/main"/>
               </a:ext>
             </a:extLst>
           </a:blip>
@@ -3148,10 +3148,10 @@
             <p:nvPr/>
           </p:nvPicPr>
           <p:blipFill>
-            <a:blip r:embed="rId3">
+            <a:blip r:embed="rId3" cstate="email">
               <a:extLst>
                 <a:ext uri="{28A0092B-C50C-407E-A947-70E740481C1C}">
-                  <a14:useLocalDpi xmlns:a14="http://schemas.microsoft.com/office/drawing/2010/main" val="0"/>
+                  <a14:useLocalDpi xmlns:a14="http://schemas.microsoft.com/office/drawing/2010/main"/>
                 </a:ext>
               </a:extLst>
             </a:blip>
@@ -3178,10 +3178,10 @@
             <p:nvPr/>
           </p:nvPicPr>
           <p:blipFill>
-            <a:blip r:embed="rId4">
+            <a:blip r:embed="rId4" cstate="email">
               <a:extLst>
                 <a:ext uri="{28A0092B-C50C-407E-A947-70E740481C1C}">
-                  <a14:useLocalDpi xmlns:a14="http://schemas.microsoft.com/office/drawing/2010/main" val="0"/>
+                  <a14:useLocalDpi xmlns:a14="http://schemas.microsoft.com/office/drawing/2010/main"/>
                 </a:ext>
               </a:extLst>
             </a:blip>
@@ -3208,10 +3208,10 @@
             <p:nvPr/>
           </p:nvPicPr>
           <p:blipFill>
-            <a:blip r:embed="rId5">
+            <a:blip r:embed="rId5" cstate="email">
               <a:extLst>
                 <a:ext uri="{28A0092B-C50C-407E-A947-70E740481C1C}">
-                  <a14:useLocalDpi xmlns:a14="http://schemas.microsoft.com/office/drawing/2010/main" val="0"/>
+                  <a14:useLocalDpi xmlns:a14="http://schemas.microsoft.com/office/drawing/2010/main"/>
                 </a:ext>
               </a:extLst>
             </a:blip>
